--- a/Monitoring_EC2_RDS/Monitoring_Email/개발/Sending_Email.pptx
+++ b/Monitoring_EC2_RDS/Monitoring_Email/개발/Sending_Email.pptx
@@ -3784,35 +3784,6 @@
           </a:fontRef>
         </p:style>
       </p:cxnSp>
-      <p:pic>
-        <p:nvPicPr>
-          <p:cNvPr id="38" name="그림 37"/>
-          <p:cNvPicPr>
-            <a:picLocks noChangeAspect="1"/>
-          </p:cNvPicPr>
-          <p:nvPr userDrawn="1"/>
-        </p:nvPicPr>
-        <p:blipFill rotWithShape="1">
-          <a:blip r:embed="rId2">
-            <a:extLst>
-              <a:ext uri="{28A0092B-C50C-407E-A947-70E740481C1C}">
-                <a14:useLocalDpi xmlns:a14="http://schemas.microsoft.com/office/drawing/2010/main" val="0"/>
-              </a:ext>
-            </a:extLst>
-          </a:blip>
-          <a:srcRect r="9512" b="4898"/>
-          <a:stretch/>
-        </p:blipFill>
-        <p:spPr>
-          <a:xfrm>
-            <a:off x="6048375" y="3240311"/>
-            <a:ext cx="3095624" cy="1903768"/>
-          </a:xfrm>
-          <a:prstGeom prst="rect">
-            <a:avLst/>
-          </a:prstGeom>
-        </p:spPr>
-      </p:pic>
     </p:spTree>
     <p:extLst>
       <p:ext uri="{BB962C8B-B14F-4D97-AF65-F5344CB8AC3E}">
